--- a/HTML 5 y CSS 3.pptx
+++ b/HTML 5 y CSS 3.pptx
@@ -5398,13 +5398,6 @@
               </a:rPr>
               <a:t>Compatibilidad con los navegadores</a:t>
             </a:r>
-            <a:endParaRPr lang="es-MX" sz="3200" dirty="0" smtClean="0">
-              <a:solidFill>
-                <a:schemeClr val="accent1"/>
-              </a:solidFill>
-              <a:latin typeface="Arial" charset="0"/>
-              <a:cs typeface="Arial" charset="0"/>
-            </a:endParaRPr>
           </a:p>
         </p:txBody>
       </p:sp>
@@ -5494,13 +5487,6 @@
               </a:rPr>
               <a:t>Microdata</a:t>
             </a:r>
-            <a:endParaRPr lang="es-MX" sz="3200" dirty="0" smtClean="0">
-              <a:solidFill>
-                <a:schemeClr val="accent1"/>
-              </a:solidFill>
-              <a:latin typeface="Arial" charset="0"/>
-              <a:cs typeface="Arial" charset="0"/>
-            </a:endParaRPr>
           </a:p>
         </p:txBody>
       </p:sp>
@@ -7738,13 +7724,6 @@
               </a:rPr>
               <a:t>Definición</a:t>
             </a:r>
-            <a:endParaRPr lang="es-MX" sz="3200" dirty="0" smtClean="0">
-              <a:solidFill>
-                <a:schemeClr val="accent1"/>
-              </a:solidFill>
-              <a:latin typeface="Arial" charset="0"/>
-              <a:cs typeface="Arial" charset="0"/>
-            </a:endParaRPr>
           </a:p>
         </p:txBody>
       </p:sp>
@@ -7973,51 +7952,254 @@
               </a:rPr>
               <a:t>Nuevas Propiedades</a:t>
             </a:r>
-            <a:endParaRPr lang="es-MX" sz="3200" dirty="0" smtClean="0">
-              <a:solidFill>
-                <a:schemeClr val="accent1"/>
-              </a:solidFill>
-              <a:latin typeface="Arial" charset="0"/>
-              <a:cs typeface="Arial" charset="0"/>
-            </a:endParaRPr>
-          </a:p>
-        </p:txBody>
-      </p:sp>
-      <p:sp>
-        <p:nvSpPr>
-          <p:cNvPr id="2" name="Rectángulo 1"/>
+          </a:p>
+        </p:txBody>
+      </p:sp>
+      <p:sp>
+        <p:nvSpPr>
+          <p:cNvPr id="3" name="Rectángulo 2"/>
           <p:cNvSpPr/>
           <p:nvPr/>
         </p:nvSpPr>
         <p:spPr>
           <a:xfrm>
-            <a:off x="1888037" y="6444044"/>
-            <a:ext cx="5348259" cy="369332"/>
+            <a:off x="467544" y="1430774"/>
+            <a:ext cx="8352928" cy="2862322"/>
           </a:xfrm>
           <a:prstGeom prst="rect">
             <a:avLst/>
           </a:prstGeom>
-          <a:solidFill>
-            <a:schemeClr val="accent2">
-              <a:lumMod val="40000"/>
-              <a:lumOff val="60000"/>
-            </a:schemeClr>
-          </a:solidFill>
+          <a:ln w="12700">
+            <a:solidFill>
+              <a:srgbClr val="FF0000"/>
+            </a:solidFill>
+          </a:ln>
         </p:spPr>
         <p:txBody>
-          <a:bodyPr wrap="none">
+          <a:bodyPr wrap="square">
             <a:spAutoFit/>
           </a:bodyPr>
           <a:lstStyle/>
           <a:p>
             <a:r>
-              <a:rPr lang="es-ES" dirty="0" smtClean="0"/>
-              <a:t>Enlace de referencia: http</a:t>
-            </a:r>
-            <a:r>
-              <a:rPr lang="es-ES" dirty="0"/>
-              <a:t>://www.cssya.com.ar/css3ya/</a:t>
-            </a:r>
+              <a:rPr lang="en-US" dirty="0" smtClean="0">
+                <a:solidFill>
+                  <a:srgbClr val="000000"/>
+                </a:solidFill>
+                <a:latin typeface="Verdana" panose="020B0604030504040204" pitchFamily="34" charset="0"/>
+              </a:rPr>
+              <a:t>CSS3 esta dividido en modulos, ellos son:</a:t>
+            </a:r>
+          </a:p>
+          <a:p>
+            <a:pPr>
+              <a:buFont typeface="Arial" panose="020B0604020202020204" pitchFamily="34" charset="0"/>
+              <a:buChar char="•"/>
+            </a:pPr>
+            <a:r>
+              <a:rPr lang="en-US" dirty="0" smtClean="0">
+                <a:solidFill>
+                  <a:srgbClr val="000000"/>
+                </a:solidFill>
+                <a:latin typeface="Verdana" panose="020B0604030504040204" pitchFamily="34" charset="0"/>
+              </a:rPr>
+              <a:t>Selectors</a:t>
+            </a:r>
+            <a:endParaRPr lang="en-US" dirty="0">
+              <a:solidFill>
+                <a:srgbClr val="000000"/>
+              </a:solidFill>
+              <a:latin typeface="Verdana" panose="020B0604030504040204" pitchFamily="34" charset="0"/>
+            </a:endParaRPr>
+          </a:p>
+          <a:p>
+            <a:pPr>
+              <a:buFont typeface="Arial" panose="020B0604020202020204" pitchFamily="34" charset="0"/>
+              <a:buChar char="•"/>
+            </a:pPr>
+            <a:r>
+              <a:rPr lang="en-US" dirty="0">
+                <a:solidFill>
+                  <a:srgbClr val="000000"/>
+                </a:solidFill>
+                <a:latin typeface="Verdana" panose="020B0604030504040204" pitchFamily="34" charset="0"/>
+              </a:rPr>
+              <a:t>Box Model</a:t>
+            </a:r>
+          </a:p>
+          <a:p>
+            <a:pPr>
+              <a:buFont typeface="Arial" panose="020B0604020202020204" pitchFamily="34" charset="0"/>
+              <a:buChar char="•"/>
+            </a:pPr>
+            <a:r>
+              <a:rPr lang="en-US" dirty="0">
+                <a:solidFill>
+                  <a:srgbClr val="000000"/>
+                </a:solidFill>
+                <a:latin typeface="Verdana" panose="020B0604030504040204" pitchFamily="34" charset="0"/>
+              </a:rPr>
+              <a:t>Backgrounds and Borders</a:t>
+            </a:r>
+          </a:p>
+          <a:p>
+            <a:pPr>
+              <a:buFont typeface="Arial" panose="020B0604020202020204" pitchFamily="34" charset="0"/>
+              <a:buChar char="•"/>
+            </a:pPr>
+            <a:r>
+              <a:rPr lang="en-US" dirty="0">
+                <a:solidFill>
+                  <a:srgbClr val="000000"/>
+                </a:solidFill>
+                <a:latin typeface="Verdana" panose="020B0604030504040204" pitchFamily="34" charset="0"/>
+              </a:rPr>
+              <a:t>Image Values and Replaced Content</a:t>
+            </a:r>
+          </a:p>
+          <a:p>
+            <a:pPr>
+              <a:buFont typeface="Arial" panose="020B0604020202020204" pitchFamily="34" charset="0"/>
+              <a:buChar char="•"/>
+            </a:pPr>
+            <a:r>
+              <a:rPr lang="en-US" dirty="0">
+                <a:solidFill>
+                  <a:srgbClr val="000000"/>
+                </a:solidFill>
+                <a:latin typeface="Verdana" panose="020B0604030504040204" pitchFamily="34" charset="0"/>
+              </a:rPr>
+              <a:t>Text Effects</a:t>
+            </a:r>
+          </a:p>
+          <a:p>
+            <a:pPr>
+              <a:buFont typeface="Arial" panose="020B0604020202020204" pitchFamily="34" charset="0"/>
+              <a:buChar char="•"/>
+            </a:pPr>
+            <a:r>
+              <a:rPr lang="en-US" dirty="0">
+                <a:solidFill>
+                  <a:srgbClr val="000000"/>
+                </a:solidFill>
+                <a:latin typeface="Verdana" panose="020B0604030504040204" pitchFamily="34" charset="0"/>
+              </a:rPr>
+              <a:t>2D/3D Transformations</a:t>
+            </a:r>
+          </a:p>
+          <a:p>
+            <a:pPr>
+              <a:buFont typeface="Arial" panose="020B0604020202020204" pitchFamily="34" charset="0"/>
+              <a:buChar char="•"/>
+            </a:pPr>
+            <a:r>
+              <a:rPr lang="en-US" dirty="0">
+                <a:solidFill>
+                  <a:srgbClr val="000000"/>
+                </a:solidFill>
+                <a:latin typeface="Verdana" panose="020B0604030504040204" pitchFamily="34" charset="0"/>
+              </a:rPr>
+              <a:t>Animations</a:t>
+            </a:r>
+          </a:p>
+          <a:p>
+            <a:pPr>
+              <a:buFont typeface="Arial" panose="020B0604020202020204" pitchFamily="34" charset="0"/>
+              <a:buChar char="•"/>
+            </a:pPr>
+            <a:r>
+              <a:rPr lang="en-US" dirty="0">
+                <a:solidFill>
+                  <a:srgbClr val="000000"/>
+                </a:solidFill>
+                <a:latin typeface="Verdana" panose="020B0604030504040204" pitchFamily="34" charset="0"/>
+              </a:rPr>
+              <a:t>Multiple Column Layout</a:t>
+            </a:r>
+          </a:p>
+          <a:p>
+            <a:pPr>
+              <a:buFont typeface="Arial" panose="020B0604020202020204" pitchFamily="34" charset="0"/>
+              <a:buChar char="•"/>
+            </a:pPr>
+            <a:r>
+              <a:rPr lang="en-US" dirty="0">
+                <a:solidFill>
+                  <a:srgbClr val="000000"/>
+                </a:solidFill>
+                <a:latin typeface="Verdana" panose="020B0604030504040204" pitchFamily="34" charset="0"/>
+              </a:rPr>
+              <a:t>User Interface</a:t>
+            </a:r>
+            <a:endParaRPr lang="en-US" b="0" i="0" dirty="0">
+              <a:solidFill>
+                <a:srgbClr val="000000"/>
+              </a:solidFill>
+              <a:effectLst/>
+              <a:latin typeface="Verdana" panose="020B0604030504040204" pitchFamily="34" charset="0"/>
+            </a:endParaRPr>
+          </a:p>
+        </p:txBody>
+      </p:sp>
+      <p:pic>
+        <p:nvPicPr>
+          <p:cNvPr id="4" name="Imagen 3"/>
+          <p:cNvPicPr>
+            <a:picLocks noChangeAspect="1"/>
+          </p:cNvPicPr>
+          <p:nvPr/>
+        </p:nvPicPr>
+        <p:blipFill>
+          <a:blip r:embed="rId2"/>
+          <a:stretch>
+            <a:fillRect/>
+          </a:stretch>
+        </p:blipFill>
+        <p:spPr>
+          <a:xfrm>
+            <a:off x="107504" y="5280620"/>
+            <a:ext cx="8856984" cy="1172716"/>
+          </a:xfrm>
+          <a:prstGeom prst="rect">
+            <a:avLst/>
+          </a:prstGeom>
+        </p:spPr>
+      </p:pic>
+      <p:sp>
+        <p:nvSpPr>
+          <p:cNvPr id="6" name="CuadroTexto 5"/>
+          <p:cNvSpPr txBox="1"/>
+          <p:nvPr/>
+        </p:nvSpPr>
+        <p:spPr>
+          <a:xfrm>
+            <a:off x="395536" y="4704556"/>
+            <a:ext cx="8424936" cy="369332"/>
+          </a:xfrm>
+          <a:prstGeom prst="rect">
+            <a:avLst/>
+          </a:prstGeom>
+          <a:noFill/>
+        </p:spPr>
+        <p:txBody>
+          <a:bodyPr wrap="square" rtlCol="0">
+            <a:spAutoFit/>
+          </a:bodyPr>
+          <a:lstStyle/>
+          <a:p>
+            <a:r>
+              <a:rPr lang="es-AR" dirty="0" smtClean="0"/>
+              <a:t>En CSS3, dependiendo del browser hay que agregar un alias en el en el file .</a:t>
+            </a:r>
+            <a:r>
+              <a:rPr lang="es-AR" dirty="0" err="1" smtClean="0"/>
+              <a:t>css</a:t>
+            </a:r>
+            <a:r>
+              <a:rPr lang="es-AR" dirty="0" smtClean="0"/>
+              <a:t>, ejemplo:</a:t>
+            </a:r>
+            <a:endParaRPr lang="es-ES" dirty="0"/>
           </a:p>
         </p:txBody>
       </p:sp>
@@ -8083,26 +8265,19 @@
               </a:rPr>
               <a:t>Nuevas Propiedades</a:t>
             </a:r>
-            <a:endParaRPr lang="es-MX" sz="3200" dirty="0" smtClean="0">
-              <a:solidFill>
-                <a:schemeClr val="accent1"/>
-              </a:solidFill>
-              <a:latin typeface="Arial" charset="0"/>
-              <a:cs typeface="Arial" charset="0"/>
-            </a:endParaRPr>
-          </a:p>
-        </p:txBody>
-      </p:sp>
-      <p:sp>
-        <p:nvSpPr>
-          <p:cNvPr id="2" name="Rectángulo 1"/>
+          </a:p>
+        </p:txBody>
+      </p:sp>
+      <p:sp>
+        <p:nvSpPr>
+          <p:cNvPr id="4" name="Rectángulo 3"/>
           <p:cNvSpPr/>
           <p:nvPr/>
         </p:nvSpPr>
         <p:spPr>
           <a:xfrm>
-            <a:off x="1888037" y="6444044"/>
-            <a:ext cx="5348259" cy="369332"/>
+            <a:off x="1619672" y="4942909"/>
+            <a:ext cx="5438027" cy="646331"/>
           </a:xfrm>
           <a:prstGeom prst="rect">
             <a:avLst/>
@@ -8122,12 +8297,477 @@
           <a:p>
             <a:r>
               <a:rPr lang="es-ES" dirty="0" smtClean="0"/>
-              <a:t>Enlace de referencia: http</a:t>
+              <a:t>Enlaces de referencia: http</a:t>
             </a:r>
             <a:r>
               <a:rPr lang="es-ES" dirty="0"/>
               <a:t>://www.cssya.com.ar/css3ya/</a:t>
             </a:r>
+            <a:br>
+              <a:rPr lang="es-ES" dirty="0"/>
+            </a:br>
+            <a:r>
+              <a:rPr lang="es-ES" dirty="0" smtClean="0"/>
+              <a:t>		     http</a:t>
+            </a:r>
+            <a:r>
+              <a:rPr lang="es-ES" dirty="0"/>
+              <a:t>://www.w3schools.com/css/</a:t>
+            </a:r>
+          </a:p>
+        </p:txBody>
+      </p:sp>
+      <p:sp>
+        <p:nvSpPr>
+          <p:cNvPr id="3" name="Rectángulo 2"/>
+          <p:cNvSpPr/>
+          <p:nvPr/>
+        </p:nvSpPr>
+        <p:spPr>
+          <a:xfrm>
+            <a:off x="179512" y="1846565"/>
+            <a:ext cx="8784976" cy="2308324"/>
+          </a:xfrm>
+          <a:prstGeom prst="rect">
+            <a:avLst/>
+          </a:prstGeom>
+        </p:spPr>
+        <p:txBody>
+          <a:bodyPr wrap="square">
+            <a:spAutoFit/>
+          </a:bodyPr>
+          <a:lstStyle/>
+          <a:p>
+            <a:r>
+              <a:rPr lang="es-ES" dirty="0">
+                <a:solidFill>
+                  <a:srgbClr val="A52A2A"/>
+                </a:solidFill>
+                <a:latin typeface="Consolas" panose="020B0609020204030204" pitchFamily="49" charset="0"/>
+              </a:rPr>
+              <a:t>#</a:t>
+            </a:r>
+            <a:r>
+              <a:rPr lang="es-ES" dirty="0" err="1">
+                <a:solidFill>
+                  <a:srgbClr val="A52A2A"/>
+                </a:solidFill>
+                <a:latin typeface="Consolas" panose="020B0609020204030204" pitchFamily="49" charset="0"/>
+              </a:rPr>
+              <a:t>borderimg</a:t>
+            </a:r>
+            <a:r>
+              <a:rPr lang="es-ES" dirty="0">
+                <a:solidFill>
+                  <a:srgbClr val="A52A2A"/>
+                </a:solidFill>
+                <a:latin typeface="Consolas" panose="020B0609020204030204" pitchFamily="49" charset="0"/>
+              </a:rPr>
+              <a:t> </a:t>
+            </a:r>
+            <a:r>
+              <a:rPr lang="es-ES" dirty="0">
+                <a:solidFill>
+                  <a:srgbClr val="000000"/>
+                </a:solidFill>
+                <a:latin typeface="Consolas" panose="020B0609020204030204" pitchFamily="49" charset="0"/>
+              </a:rPr>
+              <a:t>{</a:t>
+            </a:r>
+            <a:r>
+              <a:rPr lang="es-ES" dirty="0"/>
+              <a:t/>
+            </a:r>
+            <a:br>
+              <a:rPr lang="es-ES" dirty="0"/>
+            </a:br>
+            <a:r>
+              <a:rPr lang="es-ES" dirty="0">
+                <a:solidFill>
+                  <a:srgbClr val="000000"/>
+                </a:solidFill>
+                <a:latin typeface="Consolas" panose="020B0609020204030204" pitchFamily="49" charset="0"/>
+              </a:rPr>
+              <a:t>    </a:t>
+            </a:r>
+            <a:r>
+              <a:rPr lang="es-ES" dirty="0" err="1">
+                <a:solidFill>
+                  <a:srgbClr val="FF0000"/>
+                </a:solidFill>
+                <a:latin typeface="Consolas" panose="020B0609020204030204" pitchFamily="49" charset="0"/>
+              </a:rPr>
+              <a:t>border</a:t>
+            </a:r>
+            <a:r>
+              <a:rPr lang="es-ES" dirty="0">
+                <a:solidFill>
+                  <a:srgbClr val="FF0000"/>
+                </a:solidFill>
+                <a:latin typeface="Consolas" panose="020B0609020204030204" pitchFamily="49" charset="0"/>
+              </a:rPr>
+              <a:t>:</a:t>
+            </a:r>
+            <a:r>
+              <a:rPr lang="es-ES" dirty="0">
+                <a:solidFill>
+                  <a:srgbClr val="0000CD"/>
+                </a:solidFill>
+                <a:latin typeface="Consolas" panose="020B0609020204030204" pitchFamily="49" charset="0"/>
+              </a:rPr>
+              <a:t> 10px </a:t>
+            </a:r>
+            <a:r>
+              <a:rPr lang="es-ES" dirty="0" err="1">
+                <a:solidFill>
+                  <a:srgbClr val="0000CD"/>
+                </a:solidFill>
+                <a:latin typeface="Consolas" panose="020B0609020204030204" pitchFamily="49" charset="0"/>
+              </a:rPr>
+              <a:t>solid</a:t>
+            </a:r>
+            <a:r>
+              <a:rPr lang="es-ES" dirty="0">
+                <a:solidFill>
+                  <a:srgbClr val="0000CD"/>
+                </a:solidFill>
+                <a:latin typeface="Consolas" panose="020B0609020204030204" pitchFamily="49" charset="0"/>
+              </a:rPr>
+              <a:t> </a:t>
+            </a:r>
+            <a:r>
+              <a:rPr lang="es-ES" dirty="0" err="1">
+                <a:solidFill>
+                  <a:srgbClr val="0000CD"/>
+                </a:solidFill>
+                <a:latin typeface="Consolas" panose="020B0609020204030204" pitchFamily="49" charset="0"/>
+              </a:rPr>
+              <a:t>transparent</a:t>
+            </a:r>
+            <a:r>
+              <a:rPr lang="es-ES" dirty="0">
+                <a:solidFill>
+                  <a:srgbClr val="0000CD"/>
+                </a:solidFill>
+                <a:latin typeface="Consolas" panose="020B0609020204030204" pitchFamily="49" charset="0"/>
+              </a:rPr>
+              <a:t>;</a:t>
+            </a:r>
+            <a:r>
+              <a:rPr lang="es-ES" dirty="0"/>
+              <a:t/>
+            </a:r>
+            <a:br>
+              <a:rPr lang="es-ES" dirty="0"/>
+            </a:br>
+            <a:r>
+              <a:rPr lang="es-ES" dirty="0">
+                <a:solidFill>
+                  <a:srgbClr val="000000"/>
+                </a:solidFill>
+                <a:latin typeface="Consolas" panose="020B0609020204030204" pitchFamily="49" charset="0"/>
+              </a:rPr>
+              <a:t>    </a:t>
+            </a:r>
+            <a:r>
+              <a:rPr lang="es-ES" dirty="0" err="1">
+                <a:solidFill>
+                  <a:srgbClr val="FF0000"/>
+                </a:solidFill>
+                <a:latin typeface="Consolas" panose="020B0609020204030204" pitchFamily="49" charset="0"/>
+              </a:rPr>
+              <a:t>padding</a:t>
+            </a:r>
+            <a:r>
+              <a:rPr lang="es-ES" dirty="0">
+                <a:solidFill>
+                  <a:srgbClr val="FF0000"/>
+                </a:solidFill>
+                <a:latin typeface="Consolas" panose="020B0609020204030204" pitchFamily="49" charset="0"/>
+              </a:rPr>
+              <a:t>:</a:t>
+            </a:r>
+            <a:r>
+              <a:rPr lang="es-ES" dirty="0">
+                <a:solidFill>
+                  <a:srgbClr val="0000CD"/>
+                </a:solidFill>
+                <a:latin typeface="Consolas" panose="020B0609020204030204" pitchFamily="49" charset="0"/>
+              </a:rPr>
+              <a:t> 15px;</a:t>
+            </a:r>
+            <a:r>
+              <a:rPr lang="es-ES" dirty="0"/>
+              <a:t/>
+            </a:r>
+            <a:br>
+              <a:rPr lang="es-ES" dirty="0"/>
+            </a:br>
+            <a:r>
+              <a:rPr lang="es-ES" dirty="0">
+                <a:solidFill>
+                  <a:srgbClr val="000000"/>
+                </a:solidFill>
+                <a:latin typeface="Consolas" panose="020B0609020204030204" pitchFamily="49" charset="0"/>
+              </a:rPr>
+              <a:t>    </a:t>
+            </a:r>
+            <a:r>
+              <a:rPr lang="es-ES" dirty="0">
+                <a:solidFill>
+                  <a:srgbClr val="FF0000"/>
+                </a:solidFill>
+                <a:latin typeface="Consolas" panose="020B0609020204030204" pitchFamily="49" charset="0"/>
+              </a:rPr>
+              <a:t>-</a:t>
+            </a:r>
+            <a:r>
+              <a:rPr lang="es-ES" dirty="0" err="1">
+                <a:solidFill>
+                  <a:srgbClr val="FF0000"/>
+                </a:solidFill>
+                <a:latin typeface="Consolas" panose="020B0609020204030204" pitchFamily="49" charset="0"/>
+              </a:rPr>
+              <a:t>webkit-border-image</a:t>
+            </a:r>
+            <a:r>
+              <a:rPr lang="es-ES" dirty="0">
+                <a:solidFill>
+                  <a:srgbClr val="FF0000"/>
+                </a:solidFill>
+                <a:latin typeface="Consolas" panose="020B0609020204030204" pitchFamily="49" charset="0"/>
+              </a:rPr>
+              <a:t>:</a:t>
+            </a:r>
+            <a:r>
+              <a:rPr lang="es-ES" dirty="0">
+                <a:solidFill>
+                  <a:srgbClr val="0000CD"/>
+                </a:solidFill>
+                <a:latin typeface="Consolas" panose="020B0609020204030204" pitchFamily="49" charset="0"/>
+              </a:rPr>
+              <a:t> </a:t>
+            </a:r>
+            <a:r>
+              <a:rPr lang="es-ES" dirty="0" err="1">
+                <a:solidFill>
+                  <a:srgbClr val="0000CD"/>
+                </a:solidFill>
+                <a:latin typeface="Consolas" panose="020B0609020204030204" pitchFamily="49" charset="0"/>
+              </a:rPr>
+              <a:t>url</a:t>
+            </a:r>
+            <a:r>
+              <a:rPr lang="es-ES" dirty="0">
+                <a:solidFill>
+                  <a:srgbClr val="0000CD"/>
+                </a:solidFill>
+                <a:latin typeface="Consolas" panose="020B0609020204030204" pitchFamily="49" charset="0"/>
+              </a:rPr>
+              <a:t>(border.png) 30 round;</a:t>
+            </a:r>
+            <a:r>
+              <a:rPr lang="es-ES" dirty="0">
+                <a:solidFill>
+                  <a:srgbClr val="000000"/>
+                </a:solidFill>
+                <a:latin typeface="Consolas" panose="020B0609020204030204" pitchFamily="49" charset="0"/>
+              </a:rPr>
+              <a:t> </a:t>
+            </a:r>
+            <a:r>
+              <a:rPr lang="es-ES" dirty="0">
+                <a:solidFill>
+                  <a:srgbClr val="008000"/>
+                </a:solidFill>
+                <a:latin typeface="Consolas" panose="020B0609020204030204" pitchFamily="49" charset="0"/>
+              </a:rPr>
+              <a:t>/* Safari 3.1-5 */</a:t>
+            </a:r>
+            <a:r>
+              <a:rPr lang="es-ES" dirty="0"/>
+              <a:t/>
+            </a:r>
+            <a:br>
+              <a:rPr lang="es-ES" dirty="0"/>
+            </a:br>
+            <a:r>
+              <a:rPr lang="es-ES" dirty="0">
+                <a:solidFill>
+                  <a:srgbClr val="000000"/>
+                </a:solidFill>
+                <a:latin typeface="Consolas" panose="020B0609020204030204" pitchFamily="49" charset="0"/>
+              </a:rPr>
+              <a:t>    </a:t>
+            </a:r>
+            <a:r>
+              <a:rPr lang="es-ES" dirty="0">
+                <a:solidFill>
+                  <a:srgbClr val="FF0000"/>
+                </a:solidFill>
+                <a:latin typeface="Consolas" panose="020B0609020204030204" pitchFamily="49" charset="0"/>
+              </a:rPr>
+              <a:t>-o-</a:t>
+            </a:r>
+            <a:r>
+              <a:rPr lang="es-ES" dirty="0" err="1">
+                <a:solidFill>
+                  <a:srgbClr val="FF0000"/>
+                </a:solidFill>
+                <a:latin typeface="Consolas" panose="020B0609020204030204" pitchFamily="49" charset="0"/>
+              </a:rPr>
+              <a:t>border</a:t>
+            </a:r>
+            <a:r>
+              <a:rPr lang="es-ES" dirty="0">
+                <a:solidFill>
+                  <a:srgbClr val="FF0000"/>
+                </a:solidFill>
+                <a:latin typeface="Consolas" panose="020B0609020204030204" pitchFamily="49" charset="0"/>
+              </a:rPr>
+              <a:t>-</a:t>
+            </a:r>
+            <a:r>
+              <a:rPr lang="es-ES" dirty="0" err="1">
+                <a:solidFill>
+                  <a:srgbClr val="FF0000"/>
+                </a:solidFill>
+                <a:latin typeface="Consolas" panose="020B0609020204030204" pitchFamily="49" charset="0"/>
+              </a:rPr>
+              <a:t>image</a:t>
+            </a:r>
+            <a:r>
+              <a:rPr lang="es-ES" dirty="0">
+                <a:solidFill>
+                  <a:srgbClr val="FF0000"/>
+                </a:solidFill>
+                <a:latin typeface="Consolas" panose="020B0609020204030204" pitchFamily="49" charset="0"/>
+              </a:rPr>
+              <a:t>:</a:t>
+            </a:r>
+            <a:r>
+              <a:rPr lang="es-ES" dirty="0">
+                <a:solidFill>
+                  <a:srgbClr val="0000CD"/>
+                </a:solidFill>
+                <a:latin typeface="Consolas" panose="020B0609020204030204" pitchFamily="49" charset="0"/>
+              </a:rPr>
+              <a:t> </a:t>
+            </a:r>
+            <a:r>
+              <a:rPr lang="es-ES" dirty="0" err="1">
+                <a:solidFill>
+                  <a:srgbClr val="0000CD"/>
+                </a:solidFill>
+                <a:latin typeface="Consolas" panose="020B0609020204030204" pitchFamily="49" charset="0"/>
+              </a:rPr>
+              <a:t>url</a:t>
+            </a:r>
+            <a:r>
+              <a:rPr lang="es-ES" dirty="0">
+                <a:solidFill>
+                  <a:srgbClr val="0000CD"/>
+                </a:solidFill>
+                <a:latin typeface="Consolas" panose="020B0609020204030204" pitchFamily="49" charset="0"/>
+              </a:rPr>
+              <a:t>(border.png) 30 round;</a:t>
+            </a:r>
+            <a:r>
+              <a:rPr lang="es-ES" dirty="0">
+                <a:solidFill>
+                  <a:srgbClr val="000000"/>
+                </a:solidFill>
+                <a:latin typeface="Consolas" panose="020B0609020204030204" pitchFamily="49" charset="0"/>
+              </a:rPr>
+              <a:t> </a:t>
+            </a:r>
+            <a:r>
+              <a:rPr lang="es-ES" dirty="0">
+                <a:solidFill>
+                  <a:srgbClr val="008000"/>
+                </a:solidFill>
+                <a:latin typeface="Consolas" panose="020B0609020204030204" pitchFamily="49" charset="0"/>
+              </a:rPr>
+              <a:t>/* Opera 11-12.1 */</a:t>
+            </a:r>
+            <a:r>
+              <a:rPr lang="es-ES" dirty="0"/>
+              <a:t/>
+            </a:r>
+            <a:br>
+              <a:rPr lang="es-ES" dirty="0"/>
+            </a:br>
+            <a:r>
+              <a:rPr lang="es-ES" dirty="0">
+                <a:solidFill>
+                  <a:srgbClr val="000000"/>
+                </a:solidFill>
+                <a:latin typeface="Consolas" panose="020B0609020204030204" pitchFamily="49" charset="0"/>
+              </a:rPr>
+              <a:t>    </a:t>
+            </a:r>
+            <a:r>
+              <a:rPr lang="es-ES" dirty="0" err="1">
+                <a:solidFill>
+                  <a:srgbClr val="FF0000"/>
+                </a:solidFill>
+                <a:latin typeface="Consolas" panose="020B0609020204030204" pitchFamily="49" charset="0"/>
+              </a:rPr>
+              <a:t>border-image</a:t>
+            </a:r>
+            <a:r>
+              <a:rPr lang="es-ES" dirty="0">
+                <a:solidFill>
+                  <a:srgbClr val="FF0000"/>
+                </a:solidFill>
+                <a:latin typeface="Consolas" panose="020B0609020204030204" pitchFamily="49" charset="0"/>
+              </a:rPr>
+              <a:t>:</a:t>
+            </a:r>
+            <a:r>
+              <a:rPr lang="es-ES" dirty="0">
+                <a:solidFill>
+                  <a:srgbClr val="0000CD"/>
+                </a:solidFill>
+                <a:latin typeface="Consolas" panose="020B0609020204030204" pitchFamily="49" charset="0"/>
+              </a:rPr>
+              <a:t> </a:t>
+            </a:r>
+            <a:r>
+              <a:rPr lang="es-ES" dirty="0" err="1">
+                <a:solidFill>
+                  <a:srgbClr val="0000CD"/>
+                </a:solidFill>
+                <a:latin typeface="Consolas" panose="020B0609020204030204" pitchFamily="49" charset="0"/>
+              </a:rPr>
+              <a:t>url</a:t>
+            </a:r>
+            <a:r>
+              <a:rPr lang="es-ES" dirty="0">
+                <a:solidFill>
+                  <a:srgbClr val="0000CD"/>
+                </a:solidFill>
+                <a:latin typeface="Consolas" panose="020B0609020204030204" pitchFamily="49" charset="0"/>
+              </a:rPr>
+              <a:t>(border.png) 30 round;</a:t>
+            </a:r>
+            <a:r>
+              <a:rPr lang="es-ES" dirty="0"/>
+              <a:t/>
+            </a:r>
+            <a:br>
+              <a:rPr lang="es-ES" dirty="0"/>
+            </a:br>
+            <a:r>
+              <a:rPr lang="es-ES" dirty="0">
+                <a:solidFill>
+                  <a:srgbClr val="000000"/>
+                </a:solidFill>
+                <a:latin typeface="Consolas" panose="020B0609020204030204" pitchFamily="49" charset="0"/>
+              </a:rPr>
+              <a:t>}</a:t>
+            </a:r>
+            <a:endParaRPr lang="es-ES" dirty="0"/>
           </a:p>
         </p:txBody>
       </p:sp>
@@ -8193,13 +8833,6 @@
               </a:rPr>
               <a:t>Media Queries</a:t>
             </a:r>
-            <a:endParaRPr lang="es-MX" sz="3200" dirty="0" smtClean="0">
-              <a:solidFill>
-                <a:schemeClr val="accent1"/>
-              </a:solidFill>
-              <a:latin typeface="Arial" charset="0"/>
-              <a:cs typeface="Arial" charset="0"/>
-            </a:endParaRPr>
           </a:p>
         </p:txBody>
       </p:sp>
@@ -8763,13 +9396,6 @@
               </a:rPr>
               <a:t>Definición y Características</a:t>
             </a:r>
-            <a:endParaRPr lang="es-MX" sz="3200" dirty="0" smtClean="0">
-              <a:solidFill>
-                <a:schemeClr val="accent1"/>
-              </a:solidFill>
-              <a:latin typeface="Arial" charset="0"/>
-              <a:cs typeface="Arial" charset="0"/>
-            </a:endParaRPr>
           </a:p>
         </p:txBody>
       </p:sp>
@@ -9123,13 +9749,6 @@
               </a:rPr>
               <a:t>Doctype – Estructura Básica</a:t>
             </a:r>
-            <a:endParaRPr lang="es-MX" sz="3200" dirty="0" smtClean="0">
-              <a:solidFill>
-                <a:schemeClr val="accent1"/>
-              </a:solidFill>
-              <a:latin typeface="Arial" charset="0"/>
-              <a:cs typeface="Arial" charset="0"/>
-            </a:endParaRPr>
           </a:p>
         </p:txBody>
       </p:sp>
@@ -9309,13 +9928,6 @@
               </a:rPr>
               <a:t>Doctype – Estructura Básica</a:t>
             </a:r>
-            <a:endParaRPr lang="es-MX" sz="3200" dirty="0" smtClean="0">
-              <a:solidFill>
-                <a:schemeClr val="accent1"/>
-              </a:solidFill>
-              <a:latin typeface="Arial" charset="0"/>
-              <a:cs typeface="Arial" charset="0"/>
-            </a:endParaRPr>
           </a:p>
         </p:txBody>
       </p:sp>
@@ -9803,13 +10415,6 @@
               </a:rPr>
               <a:t>Nuevas etiquetas y elementos</a:t>
             </a:r>
-            <a:endParaRPr lang="es-MX" sz="3200" dirty="0" smtClean="0">
-              <a:solidFill>
-                <a:schemeClr val="accent1"/>
-              </a:solidFill>
-              <a:latin typeface="Arial" charset="0"/>
-              <a:cs typeface="Arial" charset="0"/>
-            </a:endParaRPr>
           </a:p>
         </p:txBody>
       </p:sp>
@@ -10172,13 +10777,6 @@
               </a:rPr>
               <a:t>Nuevas etiquetas y elementos</a:t>
             </a:r>
-            <a:endParaRPr lang="es-MX" sz="3200" dirty="0" smtClean="0">
-              <a:solidFill>
-                <a:schemeClr val="accent1"/>
-              </a:solidFill>
-              <a:latin typeface="Arial" charset="0"/>
-              <a:cs typeface="Arial" charset="0"/>
-            </a:endParaRPr>
           </a:p>
         </p:txBody>
       </p:sp>
@@ -10268,13 +10866,6 @@
               </a:rPr>
               <a:t>Nuevas etiquetas y elementos</a:t>
             </a:r>
-            <a:endParaRPr lang="es-MX" sz="3200" dirty="0" smtClean="0">
-              <a:solidFill>
-                <a:schemeClr val="accent1"/>
-              </a:solidFill>
-              <a:latin typeface="Arial" charset="0"/>
-              <a:cs typeface="Arial" charset="0"/>
-            </a:endParaRPr>
           </a:p>
         </p:txBody>
       </p:sp>
@@ -10364,13 +10955,6 @@
               </a:rPr>
               <a:t>Nuevas etiquetas y elementos</a:t>
             </a:r>
-            <a:endParaRPr lang="es-MX" sz="3200" dirty="0" smtClean="0">
-              <a:solidFill>
-                <a:schemeClr val="accent1"/>
-              </a:solidFill>
-              <a:latin typeface="Arial" charset="0"/>
-              <a:cs typeface="Arial" charset="0"/>
-            </a:endParaRPr>
           </a:p>
         </p:txBody>
       </p:sp>
